--- a/USPSA/Witch Way.pptx
+++ b/USPSA/Witch Way.pptx
@@ -658,7 +658,7 @@
               <a:pPr>
                 <a:defRPr/>
               </a:pPr>
-              <a:t>10/27/2018</a:t>
+              <a:t>21.02.2020</a:t>
             </a:fld>
             <a:endParaRPr lang="en-US"/>
           </a:p>
@@ -5683,14 +5683,14 @@
           <p:nvPr>
             <p:extLst>
               <p:ext uri="{D42A27DB-BD31-4B8C-83A1-F6EECF244321}">
-                <p14:modId xmlns:p14="http://schemas.microsoft.com/office/powerpoint/2010/main" val="985972521"/>
+                <p14:modId xmlns:p14="http://schemas.microsoft.com/office/powerpoint/2010/main" val="2946289581"/>
               </p:ext>
             </p:extLst>
           </p:nvPr>
         </p:nvGraphicFramePr>
         <p:xfrm>
           <a:off x="177800" y="165100"/>
-          <a:ext cx="6997700" cy="3043404"/>
+          <a:ext cx="6997700" cy="2778149"/>
         </p:xfrm>
         <a:graphic>
           <a:graphicData uri="http://schemas.openxmlformats.org/drawingml/2006/table">
@@ -5829,28 +5829,10 @@
                           <a:latin typeface="Arial" charset="0"/>
                           <a:cs typeface="Times New Roman" charset="0"/>
                         </a:rPr>
-                        <a:t>2018 Renton Fish and Game</a:t>
+                        <a:t>Renton Fish and Game</a:t>
                       </a:r>
-                    </a:p>
-                    <a:p>
-                      <a:pPr marL="0" marR="0" lvl="0" indent="0" algn="ctr" defTabSz="966788" rtl="0" eaLnBrk="1" fontAlgn="base" latinLnBrk="0" hangingPunct="1">
-                        <a:lnSpc>
-                          <a:spcPct val="100000"/>
-                        </a:lnSpc>
-                        <a:spcBef>
-                          <a:spcPct val="20000"/>
-                        </a:spcBef>
-                        <a:spcAft>
-                          <a:spcPct val="0"/>
-                        </a:spcAft>
-                        <a:buClrTx/>
-                        <a:buSzTx/>
-                        <a:buFontTx/>
-                        <a:buNone/>
-                        <a:tabLst/>
-                      </a:pPr>
-                      <a:r>
-                        <a:rPr kumimoji="0" lang="en-US" sz="2000" b="1" i="0" u="none" strike="noStrike" cap="none" normalizeH="0" baseline="0" dirty="0">
+                      <a:br>
+                        <a:rPr kumimoji="0" lang="en-US" sz="1200" b="1" i="0" u="none" strike="noStrike" cap="none" normalizeH="0" baseline="0" dirty="0">
                           <a:ln>
                             <a:noFill/>
                           </a:ln>
@@ -5861,28 +5843,36 @@
                           <a:latin typeface="Arial" charset="0"/>
                           <a:cs typeface="Times New Roman" charset="0"/>
                         </a:rPr>
-                        <a:t>Trigger Treat</a:t>
+                      </a:br>
+                      <a:r>
+                        <a:rPr kumimoji="0" lang="en-US" sz="1200" b="1" i="0" u="none" strike="noStrike" cap="none" normalizeH="0" baseline="0" dirty="0">
+                          <a:ln>
+                            <a:noFill/>
+                          </a:ln>
+                          <a:solidFill>
+                            <a:schemeClr val="tx1"/>
+                          </a:solidFill>
+                          <a:effectLst/>
+                          <a:latin typeface="Arial" charset="0"/>
+                          <a:cs typeface="Times New Roman" charset="0"/>
+                        </a:rPr>
+                        <a:t>Bay 4</a:t>
                       </a:r>
-                    </a:p>
-                    <a:p>
-                      <a:pPr marL="0" marR="0" lvl="0" indent="0" algn="ctr" defTabSz="966788" rtl="0" eaLnBrk="1" fontAlgn="base" latinLnBrk="0" hangingPunct="1">
-                        <a:lnSpc>
-                          <a:spcPct val="100000"/>
-                        </a:lnSpc>
-                        <a:spcBef>
-                          <a:spcPct val="20000"/>
-                        </a:spcBef>
-                        <a:spcAft>
-                          <a:spcPct val="0"/>
-                        </a:spcAft>
-                        <a:buClrTx/>
-                        <a:buSzTx/>
-                        <a:buFontTx/>
-                        <a:buNone/>
-                        <a:tabLst/>
-                      </a:pPr>
+                      <a:br>
+                        <a:rPr kumimoji="0" lang="en-US" sz="1200" b="1" i="0" u="none" strike="noStrike" cap="none" normalizeH="0" baseline="0" dirty="0">
+                          <a:ln>
+                            <a:noFill/>
+                          </a:ln>
+                          <a:solidFill>
+                            <a:schemeClr val="tx1"/>
+                          </a:solidFill>
+                          <a:effectLst/>
+                          <a:latin typeface="Arial" charset="0"/>
+                          <a:cs typeface="Times New Roman" charset="0"/>
+                        </a:rPr>
+                      </a:br>
                       <a:r>
-                        <a:rPr kumimoji="0" lang="en-US" sz="2000" b="1" i="0" u="none" strike="noStrike" kern="1200" cap="none" normalizeH="0" baseline="0" dirty="0">
+                        <a:rPr kumimoji="0" lang="en-US" sz="1200" b="1" i="0" u="none" strike="noStrike" kern="1200" cap="none" normalizeH="0" baseline="0" dirty="0">
                           <a:ln>
                             <a:noFill/>
                           </a:ln>
@@ -5894,28 +5884,39 @@
                           <a:ea typeface="+mn-ea"/>
                           <a:cs typeface="+mn-cs"/>
                         </a:rPr>
-                        <a:t>Bay 1 – Witch Way?</a:t>
+                        <a:t>Stage: </a:t>
                       </a:r>
-                    </a:p>
-                    <a:p>
-                      <a:pPr marL="0" marR="0" lvl="0" indent="0" algn="ctr" defTabSz="966788" rtl="0" eaLnBrk="1" fontAlgn="base" latinLnBrk="0" hangingPunct="1">
-                        <a:lnSpc>
-                          <a:spcPct val="100000"/>
-                        </a:lnSpc>
-                        <a:spcBef>
-                          <a:spcPct val="35000"/>
-                        </a:spcBef>
-                        <a:spcAft>
-                          <a:spcPct val="0"/>
-                        </a:spcAft>
-                        <a:buClrTx/>
-                        <a:buSzTx/>
-                        <a:buFontTx/>
-                        <a:buNone/>
-                        <a:tabLst/>
-                      </a:pPr>
                       <a:r>
-                        <a:rPr kumimoji="0" lang="en-US" sz="1200" b="1" i="0" u="none" strike="noStrike" kern="1200" cap="none" normalizeH="0" baseline="0" dirty="0">
+                        <a:rPr kumimoji="0" lang="en-US" sz="1200" b="1" i="0" u="none" strike="noStrike" kern="1200" cap="none" normalizeH="0" baseline="0">
+                          <a:ln>
+                            <a:noFill/>
+                          </a:ln>
+                          <a:solidFill>
+                            <a:schemeClr val="tx1"/>
+                          </a:solidFill>
+                          <a:effectLst/>
+                          <a:latin typeface="Arial" charset="0"/>
+                          <a:ea typeface="+mn-ea"/>
+                          <a:cs typeface="+mn-cs"/>
+                        </a:rPr>
+                        <a:t>Witch Way</a:t>
+                      </a:r>
+                      <a:br>
+                        <a:rPr kumimoji="0" lang="en-US" sz="1200" b="1" i="0" u="none" strike="noStrike" kern="1200" cap="none" normalizeH="0" baseline="0">
+                          <a:ln>
+                            <a:noFill/>
+                          </a:ln>
+                          <a:solidFill>
+                            <a:schemeClr val="tx1"/>
+                          </a:solidFill>
+                          <a:effectLst/>
+                          <a:latin typeface="Arial" charset="0"/>
+                          <a:ea typeface="+mn-ea"/>
+                          <a:cs typeface="+mn-cs"/>
+                        </a:rPr>
+                      </a:br>
+                      <a:r>
+                        <a:rPr kumimoji="0" lang="en-US" sz="1200" b="1" i="0" u="none" strike="noStrike" kern="1200" cap="none" normalizeH="0" baseline="0">
                           <a:ln>
                             <a:noFill/>
                           </a:ln>
@@ -5930,6 +5931,19 @@
                         <a:t>C</a:t>
                       </a:r>
                       <a:r>
+                        <a:rPr kumimoji="0" lang="en-US" sz="1200" b="1" i="0" u="none" strike="noStrike" cap="none" normalizeH="0" baseline="0">
+                          <a:ln>
+                            <a:noFill/>
+                          </a:ln>
+                          <a:solidFill>
+                            <a:schemeClr val="tx1"/>
+                          </a:solidFill>
+                          <a:effectLst/>
+                          <a:latin typeface="Arial" charset="0"/>
+                        </a:rPr>
+                        <a:t>ourse </a:t>
+                      </a:r>
+                      <a:r>
                         <a:rPr kumimoji="0" lang="en-US" sz="1200" b="1" i="0" u="none" strike="noStrike" cap="none" normalizeH="0" baseline="0" dirty="0">
                           <a:ln>
                             <a:noFill/>
@@ -5940,7 +5954,7 @@
                           <a:effectLst/>
                           <a:latin typeface="Arial" charset="0"/>
                         </a:rPr>
-                        <a:t>ourse Designer: Keith Tsang</a:t>
+                        <a:t>Designer: Keith Tsang</a:t>
                       </a:r>
                     </a:p>
                   </a:txBody>
